--- a/doc/schéma BDD.pptx
+++ b/doc/schéma BDD.pptx
@@ -307,7 +307,7 @@
             <a:fld id="{792B231A-10A6-4570-A5C3-F4B29653B4D4}" type="datetimeFigureOut">
               <a:rPr lang="fr-FR" smtClean="0"/>
               <a:pPr/>
-              <a:t>12/12/2017</a:t>
+              <a:t>14/12/2017</a:t>
             </a:fld>
             <a:endParaRPr lang="fr-FR"/>
           </a:p>
@@ -472,7 +472,7 @@
             <a:fld id="{792B231A-10A6-4570-A5C3-F4B29653B4D4}" type="datetimeFigureOut">
               <a:rPr lang="fr-FR" smtClean="0"/>
               <a:pPr/>
-              <a:t>12/12/2017</a:t>
+              <a:t>14/12/2017</a:t>
             </a:fld>
             <a:endParaRPr lang="fr-FR"/>
           </a:p>
@@ -647,7 +647,7 @@
             <a:fld id="{792B231A-10A6-4570-A5C3-F4B29653B4D4}" type="datetimeFigureOut">
               <a:rPr lang="fr-FR" smtClean="0"/>
               <a:pPr/>
-              <a:t>12/12/2017</a:t>
+              <a:t>14/12/2017</a:t>
             </a:fld>
             <a:endParaRPr lang="fr-FR"/>
           </a:p>
@@ -812,7 +812,7 @@
             <a:fld id="{792B231A-10A6-4570-A5C3-F4B29653B4D4}" type="datetimeFigureOut">
               <a:rPr lang="fr-FR" smtClean="0"/>
               <a:pPr/>
-              <a:t>12/12/2017</a:t>
+              <a:t>14/12/2017</a:t>
             </a:fld>
             <a:endParaRPr lang="fr-FR"/>
           </a:p>
@@ -1054,7 +1054,7 @@
             <a:fld id="{792B231A-10A6-4570-A5C3-F4B29653B4D4}" type="datetimeFigureOut">
               <a:rPr lang="fr-FR" smtClean="0"/>
               <a:pPr/>
-              <a:t>12/12/2017</a:t>
+              <a:t>14/12/2017</a:t>
             </a:fld>
             <a:endParaRPr lang="fr-FR"/>
           </a:p>
@@ -1336,7 +1336,7 @@
             <a:fld id="{792B231A-10A6-4570-A5C3-F4B29653B4D4}" type="datetimeFigureOut">
               <a:rPr lang="fr-FR" smtClean="0"/>
               <a:pPr/>
-              <a:t>12/12/2017</a:t>
+              <a:t>14/12/2017</a:t>
             </a:fld>
             <a:endParaRPr lang="fr-FR"/>
           </a:p>
@@ -1752,7 +1752,7 @@
             <a:fld id="{792B231A-10A6-4570-A5C3-F4B29653B4D4}" type="datetimeFigureOut">
               <a:rPr lang="fr-FR" smtClean="0"/>
               <a:pPr/>
-              <a:t>12/12/2017</a:t>
+              <a:t>14/12/2017</a:t>
             </a:fld>
             <a:endParaRPr lang="fr-FR"/>
           </a:p>
@@ -1866,7 +1866,7 @@
             <a:fld id="{792B231A-10A6-4570-A5C3-F4B29653B4D4}" type="datetimeFigureOut">
               <a:rPr lang="fr-FR" smtClean="0"/>
               <a:pPr/>
-              <a:t>12/12/2017</a:t>
+              <a:t>14/12/2017</a:t>
             </a:fld>
             <a:endParaRPr lang="fr-FR"/>
           </a:p>
@@ -1958,7 +1958,7 @@
             <a:fld id="{792B231A-10A6-4570-A5C3-F4B29653B4D4}" type="datetimeFigureOut">
               <a:rPr lang="fr-FR" smtClean="0"/>
               <a:pPr/>
-              <a:t>12/12/2017</a:t>
+              <a:t>14/12/2017</a:t>
             </a:fld>
             <a:endParaRPr lang="fr-FR"/>
           </a:p>
@@ -2230,7 +2230,7 @@
             <a:fld id="{792B231A-10A6-4570-A5C3-F4B29653B4D4}" type="datetimeFigureOut">
               <a:rPr lang="fr-FR" smtClean="0"/>
               <a:pPr/>
-              <a:t>12/12/2017</a:t>
+              <a:t>14/12/2017</a:t>
             </a:fld>
             <a:endParaRPr lang="fr-FR"/>
           </a:p>
@@ -2479,7 +2479,7 @@
             <a:fld id="{792B231A-10A6-4570-A5C3-F4B29653B4D4}" type="datetimeFigureOut">
               <a:rPr lang="fr-FR" smtClean="0"/>
               <a:pPr/>
-              <a:t>12/12/2017</a:t>
+              <a:t>14/12/2017</a:t>
             </a:fld>
             <a:endParaRPr lang="fr-FR"/>
           </a:p>
@@ -2687,7 +2687,7 @@
             <a:fld id="{792B231A-10A6-4570-A5C3-F4B29653B4D4}" type="datetimeFigureOut">
               <a:rPr lang="fr-FR" smtClean="0"/>
               <a:pPr/>
-              <a:t>12/12/2017</a:t>
+              <a:t>14/12/2017</a:t>
             </a:fld>
             <a:endParaRPr lang="fr-FR"/>
           </a:p>
@@ -3176,10 +3176,10 @@
           </a:p>
           <a:p>
             <a:r>
-              <a:rPr lang="fr-FR" b="1" u="sng" dirty="0" err="1"/>
+              <a:rPr lang="fr-FR" b="1" dirty="0" err="1"/>
               <a:t>CategoryName</a:t>
             </a:r>
-            <a:endParaRPr lang="fr-FR" b="1" u="sng" dirty="0"/>
+            <a:endParaRPr lang="fr-FR" b="1" dirty="0"/>
           </a:p>
         </p:txBody>
       </p:sp>
@@ -3192,7 +3192,7 @@
         <p:spPr>
           <a:xfrm>
             <a:off x="4716016" y="644495"/>
-            <a:ext cx="2099142" cy="2496474"/>
+            <a:ext cx="2099142" cy="2640488"/>
           </a:xfrm>
           <a:prstGeom prst="roundRect">
             <a:avLst>
@@ -3281,7 +3281,7 @@
         <p:spPr>
           <a:xfrm>
             <a:off x="5048736" y="1018473"/>
-            <a:ext cx="1872208" cy="2308324"/>
+            <a:ext cx="1872208" cy="2585323"/>
           </a:xfrm>
           <a:prstGeom prst="rect">
             <a:avLst/>
@@ -3302,9 +3302,16 @@
           <a:p>
             <a:r>
               <a:rPr lang="fr-FR" b="1" u="sng" dirty="0" err="1"/>
+              <a:t>CatNum</a:t>
+            </a:r>
+            <a:endParaRPr lang="fr-FR" b="1" u="sng" dirty="0"/>
+          </a:p>
+          <a:p>
+            <a:r>
+              <a:rPr lang="fr-FR" b="1" dirty="0" err="1"/>
               <a:t>ProductName</a:t>
             </a:r>
-            <a:endParaRPr lang="fr-FR" b="1" u="sng" dirty="0"/>
+            <a:endParaRPr lang="fr-FR" b="1" dirty="0"/>
           </a:p>
           <a:p>
             <a:r>
@@ -3315,7 +3322,7 @@
           </a:p>
           <a:p>
             <a:r>
-              <a:rPr lang="fr-FR" dirty="0"/>
+              <a:rPr lang="fr-FR" b="1" dirty="0"/>
               <a:t>Grade</a:t>
             </a:r>
           </a:p>
@@ -3327,8 +3334,8 @@
           </a:p>
           <a:p>
             <a:r>
-              <a:rPr lang="fr-FR" dirty="0" err="1"/>
-              <a:t>Purchase_places</a:t>
+              <a:rPr lang="fr-FR"/>
+              <a:t>PurchasePlaces</a:t>
             </a:r>
             <a:endParaRPr lang="fr-FR" dirty="0"/>
           </a:p>
@@ -3351,8 +3358,8 @@
         </p:nvSpPr>
         <p:spPr>
           <a:xfrm>
-            <a:off x="3275856" y="3501008"/>
-            <a:ext cx="2179879" cy="2880320"/>
+            <a:off x="3275856" y="3501007"/>
+            <a:ext cx="2179879" cy="2585323"/>
           </a:xfrm>
           <a:prstGeom prst="roundRect">
             <a:avLst>
@@ -3439,8 +3446,8 @@
         </p:nvSpPr>
         <p:spPr>
           <a:xfrm>
-            <a:off x="3563888" y="4077072"/>
-            <a:ext cx="1944216" cy="3139321"/>
+            <a:off x="3554215" y="4056397"/>
+            <a:ext cx="1944216" cy="2862322"/>
           </a:xfrm>
           <a:prstGeom prst="rect">
             <a:avLst/>
@@ -3460,21 +3467,8 @@
           </a:p>
           <a:p>
             <a:r>
-              <a:rPr lang="fr-FR" dirty="0" err="1"/>
+              <a:rPr lang="fr-FR" b="1" dirty="0" err="1"/>
               <a:t>SubName</a:t>
-            </a:r>
-            <a:endParaRPr lang="fr-FR" dirty="0"/>
-          </a:p>
-          <a:p>
-            <a:r>
-              <a:rPr lang="fr-FR" dirty="0"/>
-              <a:t>Description</a:t>
-            </a:r>
-          </a:p>
-          <a:p>
-            <a:r>
-              <a:rPr lang="fr-FR" b="1" dirty="0" err="1"/>
-              <a:t>CategoryName</a:t>
             </a:r>
             <a:endParaRPr lang="fr-FR" b="1" dirty="0"/>
           </a:p>
@@ -3482,6 +3476,13 @@
             <a:r>
               <a:rPr lang="fr-FR" b="1" dirty="0" err="1"/>
               <a:t>ProductName</a:t>
+            </a:r>
+            <a:endParaRPr lang="fr-FR" b="1" dirty="0"/>
+          </a:p>
+          <a:p>
+            <a:r>
+              <a:rPr lang="fr-FR" b="1" dirty="0" err="1"/>
+              <a:t>ProdNum</a:t>
             </a:r>
             <a:endParaRPr lang="fr-FR" b="1" dirty="0"/>
           </a:p>
@@ -3558,7 +3559,7 @@
         </p:blipFill>
         <p:spPr bwMode="auto">
           <a:xfrm>
-            <a:off x="4860032" y="1364575"/>
+            <a:off x="4807156" y="1423589"/>
             <a:ext cx="297707" cy="144016"/>
           </a:xfrm>
           <a:prstGeom prst="rect">
@@ -3584,7 +3585,7 @@
         </p:blipFill>
         <p:spPr bwMode="auto">
           <a:xfrm>
-            <a:off x="3347864" y="4221088"/>
+            <a:off x="3297204" y="4147338"/>
             <a:ext cx="297707" cy="144016"/>
           </a:xfrm>
           <a:prstGeom prst="rect">
@@ -3638,8 +3639,8 @@
         </p:nvCxnSpPr>
         <p:spPr>
           <a:xfrm rot="16200000" flipH="1">
-            <a:off x="1208353" y="2873665"/>
-            <a:ext cx="2736304" cy="1398701"/>
+            <a:off x="1282103" y="2799915"/>
+            <a:ext cx="2588805" cy="1398701"/>
           </a:xfrm>
           <a:prstGeom prst="bentConnector2">
             <a:avLst/>
@@ -3790,8 +3791,8 @@
         </p:nvCxnSpPr>
         <p:spPr>
           <a:xfrm rot="5400000">
-            <a:off x="5085879" y="3510827"/>
-            <a:ext cx="1800198" cy="1060485"/>
+            <a:off x="5241452" y="3499266"/>
+            <a:ext cx="1508686" cy="1080120"/>
           </a:xfrm>
           <a:prstGeom prst="bentConnector2">
             <a:avLst/>
@@ -3823,7 +3824,7 @@
         </p:nvSpPr>
         <p:spPr>
           <a:xfrm>
-            <a:off x="5796136" y="3140968"/>
+            <a:off x="5862734" y="3259724"/>
             <a:ext cx="648072" cy="369332"/>
           </a:xfrm>
           <a:prstGeom prst="rect">
@@ -3873,6 +3874,70 @@
           </a:p>
         </p:txBody>
       </p:sp>
+      <p:pic>
+        <p:nvPicPr>
+          <p:cNvPr id="27" name="Picture 2" descr="C:\Users\Foot\AppData\Local\Microsoft\Windows\Temporary Internet Files\Content.IE5\N63LF4SM\Key-yellow[1].png">
+            <a:extLst>
+              <a:ext uri="{FF2B5EF4-FFF2-40B4-BE49-F238E27FC236}">
+                <a16:creationId xmlns:a16="http://schemas.microsoft.com/office/drawing/2014/main" id="{9FD64E1D-66C5-4739-A774-225F072B66A3}"/>
+              </a:ext>
+            </a:extLst>
+          </p:cNvPr>
+          <p:cNvPicPr>
+            <a:picLocks noChangeAspect="1" noChangeArrowheads="1"/>
+          </p:cNvPicPr>
+          <p:nvPr/>
+        </p:nvPicPr>
+        <p:blipFill>
+          <a:blip r:embed="rId2" cstate="print"/>
+          <a:srcRect/>
+          <a:stretch>
+            <a:fillRect/>
+          </a:stretch>
+        </p:blipFill>
+        <p:spPr bwMode="auto">
+          <a:xfrm>
+            <a:off x="3323680" y="4972818"/>
+            <a:ext cx="297707" cy="144016"/>
+          </a:xfrm>
+          <a:prstGeom prst="rect">
+            <a:avLst/>
+          </a:prstGeom>
+          <a:noFill/>
+        </p:spPr>
+      </p:pic>
+      <p:pic>
+        <p:nvPicPr>
+          <p:cNvPr id="30" name="Picture 2" descr="C:\Users\Foot\AppData\Local\Microsoft\Windows\Temporary Internet Files\Content.IE5\N63LF4SM\Key-yellow[1].png">
+            <a:extLst>
+              <a:ext uri="{FF2B5EF4-FFF2-40B4-BE49-F238E27FC236}">
+                <a16:creationId xmlns:a16="http://schemas.microsoft.com/office/drawing/2014/main" id="{44CE7779-4F98-45B9-9739-D9EDEE0A0C1F}"/>
+              </a:ext>
+            </a:extLst>
+          </p:cNvPr>
+          <p:cNvPicPr>
+            <a:picLocks noChangeAspect="1" noChangeArrowheads="1"/>
+          </p:cNvPicPr>
+          <p:nvPr/>
+        </p:nvPicPr>
+        <p:blipFill>
+          <a:blip r:embed="rId2" cstate="print"/>
+          <a:srcRect/>
+          <a:stretch>
+            <a:fillRect/>
+          </a:stretch>
+        </p:blipFill>
+        <p:spPr bwMode="auto">
+          <a:xfrm>
+            <a:off x="4788024" y="1124745"/>
+            <a:ext cx="297707" cy="144016"/>
+          </a:xfrm>
+          <a:prstGeom prst="rect">
+            <a:avLst/>
+          </a:prstGeom>
+          <a:noFill/>
+        </p:spPr>
+      </p:pic>
     </p:spTree>
   </p:cSld>
   <p:clrMapOvr>

--- a/doc/schéma BDD.pptx
+++ b/doc/schéma BDD.pptx
@@ -307,7 +307,7 @@
             <a:fld id="{792B231A-10A6-4570-A5C3-F4B29653B4D4}" type="datetimeFigureOut">
               <a:rPr lang="fr-FR" smtClean="0"/>
               <a:pPr/>
-              <a:t>14/12/2017</a:t>
+              <a:t>26/12/2017</a:t>
             </a:fld>
             <a:endParaRPr lang="fr-FR"/>
           </a:p>
@@ -472,7 +472,7 @@
             <a:fld id="{792B231A-10A6-4570-A5C3-F4B29653B4D4}" type="datetimeFigureOut">
               <a:rPr lang="fr-FR" smtClean="0"/>
               <a:pPr/>
-              <a:t>14/12/2017</a:t>
+              <a:t>26/12/2017</a:t>
             </a:fld>
             <a:endParaRPr lang="fr-FR"/>
           </a:p>
@@ -647,7 +647,7 @@
             <a:fld id="{792B231A-10A6-4570-A5C3-F4B29653B4D4}" type="datetimeFigureOut">
               <a:rPr lang="fr-FR" smtClean="0"/>
               <a:pPr/>
-              <a:t>14/12/2017</a:t>
+              <a:t>26/12/2017</a:t>
             </a:fld>
             <a:endParaRPr lang="fr-FR"/>
           </a:p>
@@ -812,7 +812,7 @@
             <a:fld id="{792B231A-10A6-4570-A5C3-F4B29653B4D4}" type="datetimeFigureOut">
               <a:rPr lang="fr-FR" smtClean="0"/>
               <a:pPr/>
-              <a:t>14/12/2017</a:t>
+              <a:t>26/12/2017</a:t>
             </a:fld>
             <a:endParaRPr lang="fr-FR"/>
           </a:p>
@@ -1054,7 +1054,7 @@
             <a:fld id="{792B231A-10A6-4570-A5C3-F4B29653B4D4}" type="datetimeFigureOut">
               <a:rPr lang="fr-FR" smtClean="0"/>
               <a:pPr/>
-              <a:t>14/12/2017</a:t>
+              <a:t>26/12/2017</a:t>
             </a:fld>
             <a:endParaRPr lang="fr-FR"/>
           </a:p>
@@ -1336,7 +1336,7 @@
             <a:fld id="{792B231A-10A6-4570-A5C3-F4B29653B4D4}" type="datetimeFigureOut">
               <a:rPr lang="fr-FR" smtClean="0"/>
               <a:pPr/>
-              <a:t>14/12/2017</a:t>
+              <a:t>26/12/2017</a:t>
             </a:fld>
             <a:endParaRPr lang="fr-FR"/>
           </a:p>
@@ -1752,7 +1752,7 @@
             <a:fld id="{792B231A-10A6-4570-A5C3-F4B29653B4D4}" type="datetimeFigureOut">
               <a:rPr lang="fr-FR" smtClean="0"/>
               <a:pPr/>
-              <a:t>14/12/2017</a:t>
+              <a:t>26/12/2017</a:t>
             </a:fld>
             <a:endParaRPr lang="fr-FR"/>
           </a:p>
@@ -1866,7 +1866,7 @@
             <a:fld id="{792B231A-10A6-4570-A5C3-F4B29653B4D4}" type="datetimeFigureOut">
               <a:rPr lang="fr-FR" smtClean="0"/>
               <a:pPr/>
-              <a:t>14/12/2017</a:t>
+              <a:t>26/12/2017</a:t>
             </a:fld>
             <a:endParaRPr lang="fr-FR"/>
           </a:p>
@@ -1958,7 +1958,7 @@
             <a:fld id="{792B231A-10A6-4570-A5C3-F4B29653B4D4}" type="datetimeFigureOut">
               <a:rPr lang="fr-FR" smtClean="0"/>
               <a:pPr/>
-              <a:t>14/12/2017</a:t>
+              <a:t>26/12/2017</a:t>
             </a:fld>
             <a:endParaRPr lang="fr-FR"/>
           </a:p>
@@ -2230,7 +2230,7 @@
             <a:fld id="{792B231A-10A6-4570-A5C3-F4B29653B4D4}" type="datetimeFigureOut">
               <a:rPr lang="fr-FR" smtClean="0"/>
               <a:pPr/>
-              <a:t>14/12/2017</a:t>
+              <a:t>26/12/2017</a:t>
             </a:fld>
             <a:endParaRPr lang="fr-FR"/>
           </a:p>
@@ -2479,7 +2479,7 @@
             <a:fld id="{792B231A-10A6-4570-A5C3-F4B29653B4D4}" type="datetimeFigureOut">
               <a:rPr lang="fr-FR" smtClean="0"/>
               <a:pPr/>
-              <a:t>14/12/2017</a:t>
+              <a:t>26/12/2017</a:t>
             </a:fld>
             <a:endParaRPr lang="fr-FR"/>
           </a:p>
@@ -2687,7 +2687,7 @@
             <a:fld id="{792B231A-10A6-4570-A5C3-F4B29653B4D4}" type="datetimeFigureOut">
               <a:rPr lang="fr-FR" smtClean="0"/>
               <a:pPr/>
-              <a:t>14/12/2017</a:t>
+              <a:t>26/12/2017</a:t>
             </a:fld>
             <a:endParaRPr lang="fr-FR"/>
           </a:p>
@@ -3281,7 +3281,7 @@
         <p:spPr>
           <a:xfrm>
             <a:off x="5048736" y="1018473"/>
-            <a:ext cx="1872208" cy="2585323"/>
+            <a:ext cx="1872208" cy="2308324"/>
           </a:xfrm>
           <a:prstGeom prst="rect">
             <a:avLst/>
@@ -3315,13 +3315,6 @@
           </a:p>
           <a:p>
             <a:r>
-              <a:rPr lang="fr-FR" b="1" dirty="0" err="1"/>
-              <a:t>CategoryName</a:t>
-            </a:r>
-            <a:endParaRPr lang="fr-FR" b="1" dirty="0"/>
-          </a:p>
-          <a:p>
-            <a:r>
               <a:rPr lang="fr-FR" b="1" dirty="0"/>
               <a:t>Grade</a:t>
             </a:r>
@@ -3334,7 +3327,7 @@
           </a:p>
           <a:p>
             <a:r>
-              <a:rPr lang="fr-FR"/>
+              <a:rPr lang="fr-FR" dirty="0" err="1"/>
               <a:t>PurchasePlaces</a:t>
             </a:r>
             <a:endParaRPr lang="fr-FR" dirty="0"/>
@@ -3359,7 +3352,7 @@
         <p:spPr>
           <a:xfrm>
             <a:off x="3275856" y="3501007"/>
-            <a:ext cx="2179879" cy="2585323"/>
+            <a:ext cx="2179879" cy="1584177"/>
           </a:xfrm>
           <a:prstGeom prst="roundRect">
             <a:avLst>
@@ -3446,8 +3439,8 @@
         </p:nvSpPr>
         <p:spPr>
           <a:xfrm>
-            <a:off x="3554215" y="4056397"/>
-            <a:ext cx="1944216" cy="2862322"/>
+            <a:off x="3619532" y="4055476"/>
+            <a:ext cx="1944216" cy="1477328"/>
           </a:xfrm>
           <a:prstGeom prst="rect">
             <a:avLst/>
@@ -3464,18 +3457,12 @@
               <a:rPr lang="fr-FR" dirty="0"/>
               <a:t>ID</a:t>
             </a:r>
+            <a:endParaRPr lang="fr-FR" b="1" dirty="0"/>
           </a:p>
           <a:p>
             <a:r>
               <a:rPr lang="fr-FR" b="1" dirty="0" err="1"/>
-              <a:t>SubName</a:t>
-            </a:r>
-            <a:endParaRPr lang="fr-FR" b="1" dirty="0"/>
-          </a:p>
-          <a:p>
-            <a:r>
-              <a:rPr lang="fr-FR" b="1" dirty="0" err="1"/>
-              <a:t>ProductName</a:t>
+              <a:t>SubNum</a:t>
             </a:r>
             <a:endParaRPr lang="fr-FR" b="1" dirty="0"/>
           </a:p>
@@ -3484,28 +3471,6 @@
               <a:rPr lang="fr-FR" b="1" dirty="0" err="1"/>
               <a:t>ProdNum</a:t>
             </a:r>
-            <a:endParaRPr lang="fr-FR" b="1" dirty="0"/>
-          </a:p>
-          <a:p>
-            <a:r>
-              <a:rPr lang="fr-FR" dirty="0"/>
-              <a:t>Stores</a:t>
-            </a:r>
-          </a:p>
-          <a:p>
-            <a:r>
-              <a:rPr lang="fr-FR" dirty="0" err="1"/>
-              <a:t>PurchasePlaces</a:t>
-            </a:r>
-            <a:endParaRPr lang="fr-FR" dirty="0"/>
-          </a:p>
-          <a:p>
-            <a:r>
-              <a:rPr lang="fr-FR" dirty="0"/>
-              <a:t>Link</a:t>
-            </a:r>
-          </a:p>
-          <a:p>
             <a:endParaRPr lang="fr-FR" b="1" dirty="0"/>
           </a:p>
           <a:p>
@@ -3534,32 +3499,6 @@
         <p:spPr bwMode="auto">
           <a:xfrm>
             <a:off x="899592" y="1412776"/>
-            <a:ext cx="297707" cy="144016"/>
-          </a:xfrm>
-          <a:prstGeom prst="rect">
-            <a:avLst/>
-          </a:prstGeom>
-          <a:noFill/>
-        </p:spPr>
-      </p:pic>
-      <p:pic>
-        <p:nvPicPr>
-          <p:cNvPr id="14" name="Picture 2" descr="C:\Users\Foot\AppData\Local\Microsoft\Windows\Temporary Internet Files\Content.IE5\N63LF4SM\Key-yellow[1].png"/>
-          <p:cNvPicPr>
-            <a:picLocks noChangeAspect="1" noChangeArrowheads="1"/>
-          </p:cNvPicPr>
-          <p:nvPr/>
-        </p:nvPicPr>
-        <p:blipFill>
-          <a:blip r:embed="rId2" cstate="print"/>
-          <a:srcRect/>
-          <a:stretch>
-            <a:fillRect/>
-          </a:stretch>
-        </p:blipFill>
-        <p:spPr bwMode="auto">
-          <a:xfrm>
-            <a:off x="4807156" y="1423589"/>
             <a:ext cx="297707" cy="144016"/>
           </a:xfrm>
           <a:prstGeom prst="rect">
@@ -3585,7 +3524,7 @@
         </p:blipFill>
         <p:spPr bwMode="auto">
           <a:xfrm>
-            <a:off x="3297204" y="4147338"/>
+            <a:off x="3338189" y="4147338"/>
             <a:ext cx="297707" cy="144016"/>
           </a:xfrm>
           <a:prstGeom prst="rect">
@@ -3627,23 +3566,82 @@
           </a:fontRef>
         </p:style>
       </p:cxnSp>
+      <p:sp>
+        <p:nvSpPr>
+          <p:cNvPr id="25" name="ZoneTexte 24"/>
+          <p:cNvSpPr txBox="1"/>
+          <p:nvPr/>
+        </p:nvSpPr>
+        <p:spPr>
+          <a:xfrm>
+            <a:off x="3059832" y="1124744"/>
+            <a:ext cx="576064" cy="369332"/>
+          </a:xfrm>
+          <a:prstGeom prst="rect">
+            <a:avLst/>
+          </a:prstGeom>
+          <a:noFill/>
+        </p:spPr>
+        <p:txBody>
+          <a:bodyPr wrap="square" rtlCol="0">
+            <a:spAutoFit/>
+          </a:bodyPr>
+          <a:lstStyle/>
+          <a:p>
+            <a:r>
+              <a:rPr lang="fr-FR" dirty="0"/>
+              <a:t>0..n</a:t>
+            </a:r>
+          </a:p>
+        </p:txBody>
+      </p:sp>
+      <p:sp>
+        <p:nvSpPr>
+          <p:cNvPr id="26" name="ZoneTexte 25"/>
+          <p:cNvSpPr txBox="1"/>
+          <p:nvPr/>
+        </p:nvSpPr>
+        <p:spPr>
+          <a:xfrm>
+            <a:off x="4139952" y="1124744"/>
+            <a:ext cx="648072" cy="369332"/>
+          </a:xfrm>
+          <a:prstGeom prst="rect">
+            <a:avLst/>
+          </a:prstGeom>
+          <a:noFill/>
+        </p:spPr>
+        <p:txBody>
+          <a:bodyPr wrap="square" rtlCol="0">
+            <a:spAutoFit/>
+          </a:bodyPr>
+          <a:lstStyle/>
+          <a:p>
+            <a:r>
+              <a:rPr lang="fr-FR" dirty="0"/>
+              <a:t>1..1</a:t>
+            </a:r>
+          </a:p>
+        </p:txBody>
+      </p:sp>
       <p:cxnSp>
         <p:nvCxnSpPr>
-          <p:cNvPr id="21" name="Forme 20"/>
+          <p:cNvPr id="24" name="Connecteur en angle 23"/>
           <p:cNvCxnSpPr>
             <a:cxnSpLocks/>
-            <a:stCxn id="4" idx="2"/>
-            <a:endCxn id="10" idx="1"/>
+            <a:endCxn id="10" idx="3"/>
           </p:cNvCxnSpPr>
           <p:nvPr/>
         </p:nvCxnSpPr>
         <p:spPr>
-          <a:xfrm rot="16200000" flipH="1">
-            <a:off x="1282103" y="2799915"/>
-            <a:ext cx="2588805" cy="1398701"/>
-          </a:xfrm>
-          <a:prstGeom prst="bentConnector2">
-            <a:avLst/>
+          <a:xfrm rot="10800000" flipV="1">
+            <a:off x="5455735" y="3284982"/>
+            <a:ext cx="1080120" cy="1008114"/>
+          </a:xfrm>
+          <a:prstGeom prst="bentConnector3">
+            <a:avLst>
+              <a:gd name="adj1" fmla="val 50000"/>
+            </a:avLst>
           </a:prstGeom>
           <a:ln>
             <a:tailEnd type="arrow"/>
@@ -3666,13 +3664,13 @@
       </p:cxnSp>
       <p:sp>
         <p:nvSpPr>
-          <p:cNvPr id="22" name="ZoneTexte 21"/>
+          <p:cNvPr id="28" name="ZoneTexte 27"/>
           <p:cNvSpPr txBox="1"/>
           <p:nvPr/>
         </p:nvSpPr>
         <p:spPr>
           <a:xfrm>
-            <a:off x="1331640" y="2420888"/>
+            <a:off x="5984840" y="3361461"/>
             <a:ext cx="648072" cy="369332"/>
           </a:xfrm>
           <a:prstGeom prst="rect">
@@ -3695,14 +3693,14 @@
       </p:sp>
       <p:sp>
         <p:nvSpPr>
-          <p:cNvPr id="23" name="ZoneTexte 22"/>
+          <p:cNvPr id="29" name="ZoneTexte 28"/>
           <p:cNvSpPr txBox="1"/>
           <p:nvPr/>
         </p:nvSpPr>
         <p:spPr>
           <a:xfrm>
-            <a:off x="2555776" y="4427820"/>
-            <a:ext cx="576064" cy="369332"/>
+            <a:off x="5580112" y="4355812"/>
+            <a:ext cx="648072" cy="369332"/>
           </a:xfrm>
           <a:prstGeom prst="rect">
             <a:avLst/>
@@ -3722,190 +3720,6 @@
           </a:p>
         </p:txBody>
       </p:sp>
-      <p:sp>
-        <p:nvSpPr>
-          <p:cNvPr id="25" name="ZoneTexte 24"/>
-          <p:cNvSpPr txBox="1"/>
-          <p:nvPr/>
-        </p:nvSpPr>
-        <p:spPr>
-          <a:xfrm>
-            <a:off x="3059832" y="1124744"/>
-            <a:ext cx="576064" cy="369332"/>
-          </a:xfrm>
-          <a:prstGeom prst="rect">
-            <a:avLst/>
-          </a:prstGeom>
-          <a:noFill/>
-        </p:spPr>
-        <p:txBody>
-          <a:bodyPr wrap="square" rtlCol="0">
-            <a:spAutoFit/>
-          </a:bodyPr>
-          <a:lstStyle/>
-          <a:p>
-            <a:r>
-              <a:rPr lang="fr-FR" dirty="0"/>
-              <a:t>0..n</a:t>
-            </a:r>
-          </a:p>
-        </p:txBody>
-      </p:sp>
-      <p:sp>
-        <p:nvSpPr>
-          <p:cNvPr id="26" name="ZoneTexte 25"/>
-          <p:cNvSpPr txBox="1"/>
-          <p:nvPr/>
-        </p:nvSpPr>
-        <p:spPr>
-          <a:xfrm>
-            <a:off x="4139952" y="1124744"/>
-            <a:ext cx="648072" cy="369332"/>
-          </a:xfrm>
-          <a:prstGeom prst="rect">
-            <a:avLst/>
-          </a:prstGeom>
-          <a:noFill/>
-        </p:spPr>
-        <p:txBody>
-          <a:bodyPr wrap="square" rtlCol="0">
-            <a:spAutoFit/>
-          </a:bodyPr>
-          <a:lstStyle/>
-          <a:p>
-            <a:r>
-              <a:rPr lang="fr-FR" dirty="0"/>
-              <a:t>1..1</a:t>
-            </a:r>
-          </a:p>
-        </p:txBody>
-      </p:sp>
-      <p:cxnSp>
-        <p:nvCxnSpPr>
-          <p:cNvPr id="24" name="Connecteur en angle 23"/>
-          <p:cNvCxnSpPr>
-            <a:cxnSpLocks/>
-            <a:endCxn id="10" idx="3"/>
-          </p:cNvCxnSpPr>
-          <p:nvPr/>
-        </p:nvCxnSpPr>
-        <p:spPr>
-          <a:xfrm rot="5400000">
-            <a:off x="5241452" y="3499266"/>
-            <a:ext cx="1508686" cy="1080120"/>
-          </a:xfrm>
-          <a:prstGeom prst="bentConnector2">
-            <a:avLst/>
-          </a:prstGeom>
-          <a:ln>
-            <a:tailEnd type="arrow"/>
-          </a:ln>
-        </p:spPr>
-        <p:style>
-          <a:lnRef idx="1">
-            <a:schemeClr val="accent1"/>
-          </a:lnRef>
-          <a:fillRef idx="0">
-            <a:schemeClr val="accent1"/>
-          </a:fillRef>
-          <a:effectRef idx="0">
-            <a:schemeClr val="accent1"/>
-          </a:effectRef>
-          <a:fontRef idx="minor">
-            <a:schemeClr val="tx1"/>
-          </a:fontRef>
-        </p:style>
-      </p:cxnSp>
-      <p:sp>
-        <p:nvSpPr>
-          <p:cNvPr id="28" name="ZoneTexte 27"/>
-          <p:cNvSpPr txBox="1"/>
-          <p:nvPr/>
-        </p:nvSpPr>
-        <p:spPr>
-          <a:xfrm>
-            <a:off x="5862734" y="3259724"/>
-            <a:ext cx="648072" cy="369332"/>
-          </a:xfrm>
-          <a:prstGeom prst="rect">
-            <a:avLst/>
-          </a:prstGeom>
-          <a:noFill/>
-        </p:spPr>
-        <p:txBody>
-          <a:bodyPr wrap="square" rtlCol="0">
-            <a:spAutoFit/>
-          </a:bodyPr>
-          <a:lstStyle/>
-          <a:p>
-            <a:r>
-              <a:rPr lang="fr-FR" dirty="0"/>
-              <a:t>0..n</a:t>
-            </a:r>
-          </a:p>
-        </p:txBody>
-      </p:sp>
-      <p:sp>
-        <p:nvSpPr>
-          <p:cNvPr id="29" name="ZoneTexte 28"/>
-          <p:cNvSpPr txBox="1"/>
-          <p:nvPr/>
-        </p:nvSpPr>
-        <p:spPr>
-          <a:xfrm>
-            <a:off x="5580112" y="4355812"/>
-            <a:ext cx="648072" cy="369332"/>
-          </a:xfrm>
-          <a:prstGeom prst="rect">
-            <a:avLst/>
-          </a:prstGeom>
-          <a:noFill/>
-        </p:spPr>
-        <p:txBody>
-          <a:bodyPr wrap="square" rtlCol="0">
-            <a:spAutoFit/>
-          </a:bodyPr>
-          <a:lstStyle/>
-          <a:p>
-            <a:r>
-              <a:rPr lang="fr-FR" dirty="0"/>
-              <a:t>1..1</a:t>
-            </a:r>
-          </a:p>
-        </p:txBody>
-      </p:sp>
-      <p:pic>
-        <p:nvPicPr>
-          <p:cNvPr id="27" name="Picture 2" descr="C:\Users\Foot\AppData\Local\Microsoft\Windows\Temporary Internet Files\Content.IE5\N63LF4SM\Key-yellow[1].png">
-            <a:extLst>
-              <a:ext uri="{FF2B5EF4-FFF2-40B4-BE49-F238E27FC236}">
-                <a16:creationId xmlns:a16="http://schemas.microsoft.com/office/drawing/2014/main" id="{9FD64E1D-66C5-4739-A774-225F072B66A3}"/>
-              </a:ext>
-            </a:extLst>
-          </p:cNvPr>
-          <p:cNvPicPr>
-            <a:picLocks noChangeAspect="1" noChangeArrowheads="1"/>
-          </p:cNvPicPr>
-          <p:nvPr/>
-        </p:nvPicPr>
-        <p:blipFill>
-          <a:blip r:embed="rId2" cstate="print"/>
-          <a:srcRect/>
-          <a:stretch>
-            <a:fillRect/>
-          </a:stretch>
-        </p:blipFill>
-        <p:spPr bwMode="auto">
-          <a:xfrm>
-            <a:off x="3323680" y="4972818"/>
-            <a:ext cx="297707" cy="144016"/>
-          </a:xfrm>
-          <a:prstGeom prst="rect">
-            <a:avLst/>
-          </a:prstGeom>
-          <a:noFill/>
-        </p:spPr>
-      </p:pic>
       <p:pic>
         <p:nvPicPr>
           <p:cNvPr id="30" name="Picture 2" descr="C:\Users\Foot\AppData\Local\Microsoft\Windows\Temporary Internet Files\Content.IE5\N63LF4SM\Key-yellow[1].png">
@@ -3938,6 +3752,223 @@
           <a:noFill/>
         </p:spPr>
       </p:pic>
+      <p:pic>
+        <p:nvPicPr>
+          <p:cNvPr id="3" name="Image 2">
+            <a:extLst>
+              <a:ext uri="{FF2B5EF4-FFF2-40B4-BE49-F238E27FC236}">
+                <a16:creationId xmlns:a16="http://schemas.microsoft.com/office/drawing/2014/main" id="{9A5A1BF3-BF7D-43CF-8193-29A00999B85D}"/>
+              </a:ext>
+            </a:extLst>
+          </p:cNvPr>
+          <p:cNvPicPr>
+            <a:picLocks noChangeAspect="1"/>
+          </p:cNvPicPr>
+          <p:nvPr/>
+        </p:nvPicPr>
+        <p:blipFill>
+          <a:blip r:embed="rId3" cstate="print">
+            <a:extLst>
+              <a:ext uri="{28A0092B-C50C-407E-A947-70E740481C1C}">
+                <a14:useLocalDpi xmlns:a14="http://schemas.microsoft.com/office/drawing/2010/main" val="0"/>
+              </a:ext>
+            </a:extLst>
+          </a:blip>
+          <a:stretch>
+            <a:fillRect/>
+          </a:stretch>
+        </p:blipFill>
+        <p:spPr>
+          <a:xfrm>
+            <a:off x="374098" y="4314873"/>
+            <a:ext cx="294692" cy="251914"/>
+          </a:xfrm>
+          <a:prstGeom prst="rect">
+            <a:avLst/>
+          </a:prstGeom>
+        </p:spPr>
+      </p:pic>
+      <p:pic>
+        <p:nvPicPr>
+          <p:cNvPr id="31" name="Image 30">
+            <a:extLst>
+              <a:ext uri="{FF2B5EF4-FFF2-40B4-BE49-F238E27FC236}">
+                <a16:creationId xmlns:a16="http://schemas.microsoft.com/office/drawing/2014/main" id="{BE6704B8-EB9E-45AB-B275-919399050869}"/>
+              </a:ext>
+            </a:extLst>
+          </p:cNvPr>
+          <p:cNvPicPr>
+            <a:picLocks noChangeAspect="1"/>
+          </p:cNvPicPr>
+          <p:nvPr/>
+        </p:nvPicPr>
+        <p:blipFill>
+          <a:blip r:embed="rId4" cstate="print">
+            <a:extLst>
+              <a:ext uri="{28A0092B-C50C-407E-A947-70E740481C1C}">
+                <a14:useLocalDpi xmlns:a14="http://schemas.microsoft.com/office/drawing/2010/main" val="0"/>
+              </a:ext>
+            </a:extLst>
+          </a:blip>
+          <a:stretch>
+            <a:fillRect/>
+          </a:stretch>
+        </p:blipFill>
+        <p:spPr>
+          <a:xfrm>
+            <a:off x="3303366" y="4613014"/>
+            <a:ext cx="379387" cy="324315"/>
+          </a:xfrm>
+          <a:prstGeom prst="rect">
+            <a:avLst/>
+          </a:prstGeom>
+        </p:spPr>
+      </p:pic>
+      <p:pic>
+        <p:nvPicPr>
+          <p:cNvPr id="32" name="Image 31">
+            <a:extLst>
+              <a:ext uri="{FF2B5EF4-FFF2-40B4-BE49-F238E27FC236}">
+                <a16:creationId xmlns:a16="http://schemas.microsoft.com/office/drawing/2014/main" id="{D2EEEA0A-3282-4822-AC9C-D780E5EA67C1}"/>
+              </a:ext>
+            </a:extLst>
+          </p:cNvPr>
+          <p:cNvPicPr>
+            <a:picLocks noChangeAspect="1"/>
+          </p:cNvPicPr>
+          <p:nvPr/>
+        </p:nvPicPr>
+        <p:blipFill>
+          <a:blip r:embed="rId4" cstate="print">
+            <a:extLst>
+              <a:ext uri="{28A0092B-C50C-407E-A947-70E740481C1C}">
+                <a14:useLocalDpi xmlns:a14="http://schemas.microsoft.com/office/drawing/2010/main" val="0"/>
+              </a:ext>
+            </a:extLst>
+          </a:blip>
+          <a:stretch>
+            <a:fillRect/>
+          </a:stretch>
+        </p:blipFill>
+        <p:spPr>
+          <a:xfrm>
+            <a:off x="3295184" y="4337420"/>
+            <a:ext cx="379387" cy="324315"/>
+          </a:xfrm>
+          <a:prstGeom prst="rect">
+            <a:avLst/>
+          </a:prstGeom>
+        </p:spPr>
+      </p:pic>
+      <p:pic>
+        <p:nvPicPr>
+          <p:cNvPr id="33" name="Image 32">
+            <a:extLst>
+              <a:ext uri="{FF2B5EF4-FFF2-40B4-BE49-F238E27FC236}">
+                <a16:creationId xmlns:a16="http://schemas.microsoft.com/office/drawing/2014/main" id="{028CCE42-C784-468C-8D00-799764C87717}"/>
+              </a:ext>
+            </a:extLst>
+          </p:cNvPr>
+          <p:cNvPicPr>
+            <a:picLocks noChangeAspect="1"/>
+          </p:cNvPicPr>
+          <p:nvPr/>
+        </p:nvPicPr>
+        <p:blipFill>
+          <a:blip r:embed="rId4" cstate="print">
+            <a:extLst>
+              <a:ext uri="{28A0092B-C50C-407E-A947-70E740481C1C}">
+                <a14:useLocalDpi xmlns:a14="http://schemas.microsoft.com/office/drawing/2010/main" val="0"/>
+              </a:ext>
+            </a:extLst>
+          </a:blip>
+          <a:stretch>
+            <a:fillRect/>
+          </a:stretch>
+        </p:blipFill>
+        <p:spPr>
+          <a:xfrm>
+            <a:off x="4736764" y="1331918"/>
+            <a:ext cx="379387" cy="324315"/>
+          </a:xfrm>
+          <a:prstGeom prst="rect">
+            <a:avLst/>
+          </a:prstGeom>
+        </p:spPr>
+      </p:pic>
+      <p:pic>
+        <p:nvPicPr>
+          <p:cNvPr id="34" name="Picture 2" descr="C:\Users\Foot\AppData\Local\Microsoft\Windows\Temporary Internet Files\Content.IE5\N63LF4SM\Key-yellow[1].png">
+            <a:extLst>
+              <a:ext uri="{FF2B5EF4-FFF2-40B4-BE49-F238E27FC236}">
+                <a16:creationId xmlns:a16="http://schemas.microsoft.com/office/drawing/2014/main" id="{CA97AD07-C6C2-4DB2-9FFE-5E2DA7423653}"/>
+              </a:ext>
+            </a:extLst>
+          </p:cNvPr>
+          <p:cNvPicPr>
+            <a:picLocks noChangeAspect="1" noChangeArrowheads="1"/>
+          </p:cNvPicPr>
+          <p:nvPr/>
+        </p:nvPicPr>
+        <p:blipFill>
+          <a:blip r:embed="rId2" cstate="print"/>
+          <a:srcRect/>
+          <a:stretch>
+            <a:fillRect/>
+          </a:stretch>
+        </p:blipFill>
+        <p:spPr bwMode="auto">
+          <a:xfrm>
+            <a:off x="414937" y="4170857"/>
+            <a:ext cx="231246" cy="111865"/>
+          </a:xfrm>
+          <a:prstGeom prst="rect">
+            <a:avLst/>
+          </a:prstGeom>
+          <a:noFill/>
+        </p:spPr>
+      </p:pic>
+      <p:sp>
+        <p:nvSpPr>
+          <p:cNvPr id="35" name="ZoneTexte 34">
+            <a:extLst>
+              <a:ext uri="{FF2B5EF4-FFF2-40B4-BE49-F238E27FC236}">
+                <a16:creationId xmlns:a16="http://schemas.microsoft.com/office/drawing/2014/main" id="{035EE7F6-D6B1-4CE5-80CB-4ADEDEB84EC4}"/>
+              </a:ext>
+            </a:extLst>
+          </p:cNvPr>
+          <p:cNvSpPr txBox="1"/>
+          <p:nvPr/>
+        </p:nvSpPr>
+        <p:spPr>
+          <a:xfrm>
+            <a:off x="612644" y="4064865"/>
+            <a:ext cx="1728191" cy="523220"/>
+          </a:xfrm>
+          <a:prstGeom prst="rect">
+            <a:avLst/>
+          </a:prstGeom>
+          <a:noFill/>
+        </p:spPr>
+        <p:txBody>
+          <a:bodyPr wrap="square" rtlCol="0">
+            <a:spAutoFit/>
+          </a:bodyPr>
+          <a:lstStyle/>
+          <a:p>
+            <a:r>
+              <a:rPr lang="fr-FR" sz="1400" dirty="0"/>
+              <a:t>Clé primaire</a:t>
+            </a:r>
+          </a:p>
+          <a:p>
+            <a:r>
+              <a:rPr lang="fr-FR" sz="1400" dirty="0"/>
+              <a:t>Clé étrangère</a:t>
+            </a:r>
+          </a:p>
+        </p:txBody>
+      </p:sp>
     </p:spTree>
   </p:cSld>
   <p:clrMapOvr>
